--- a/day3/day3-command_line-KB.pptx
+++ b/day3/day3-command_line-KB.pptx
@@ -139,6 +139,66 @@
     </p:ext>
   </p:extLst>
 </p:presentation>
+</file>
+
+<file path=ppt/changesInfos/changesInfo1.xml><?xml version="1.0" encoding="utf-8"?>
+<pc:chgInfo xmlns:a="http://schemas.openxmlformats.org/drawingml/2006/main" xmlns:r="http://schemas.openxmlformats.org/officeDocument/2006/relationships" xmlns:ac="http://schemas.microsoft.com/office/drawing/2013/main/command" xmlns:pc="http://schemas.microsoft.com/office/powerpoint/2013/main/command">
+  <pc:docChgLst>
+    <pc:chgData name="Kirstyn Brunker" userId="df4fa982-8545-444a-9816-77d8e30bb5e2" providerId="ADAL" clId="{579DBE22-8DA8-9A48-91B7-6C5107916BD1}"/>
+    <pc:docChg chg="custSel modSld">
+      <pc:chgData name="Kirstyn Brunker" userId="df4fa982-8545-444a-9816-77d8e30bb5e2" providerId="ADAL" clId="{579DBE22-8DA8-9A48-91B7-6C5107916BD1}" dt="2024-02-06T21:45:09.607" v="342" actId="20577"/>
+      <pc:docMkLst>
+        <pc:docMk/>
+      </pc:docMkLst>
+      <pc:sldChg chg="modSp mod">
+        <pc:chgData name="Kirstyn Brunker" userId="df4fa982-8545-444a-9816-77d8e30bb5e2" providerId="ADAL" clId="{579DBE22-8DA8-9A48-91B7-6C5107916BD1}" dt="2024-02-06T21:36:34.511" v="18" actId="20577"/>
+        <pc:sldMkLst>
+          <pc:docMk/>
+          <pc:sldMk cId="4244171547" sldId="256"/>
+        </pc:sldMkLst>
+        <pc:spChg chg="mod">
+          <ac:chgData name="Kirstyn Brunker" userId="df4fa982-8545-444a-9816-77d8e30bb5e2" providerId="ADAL" clId="{579DBE22-8DA8-9A48-91B7-6C5107916BD1}" dt="2024-02-06T21:36:34.511" v="18" actId="20577"/>
+          <ac:spMkLst>
+            <pc:docMk/>
+            <pc:sldMk cId="4244171547" sldId="256"/>
+            <ac:spMk id="17" creationId="{208BAD60-CCB1-302D-440F-59C373707A8C}"/>
+          </ac:spMkLst>
+        </pc:spChg>
+      </pc:sldChg>
+      <pc:sldChg chg="delSp modSp mod">
+        <pc:chgData name="Kirstyn Brunker" userId="df4fa982-8545-444a-9816-77d8e30bb5e2" providerId="ADAL" clId="{579DBE22-8DA8-9A48-91B7-6C5107916BD1}" dt="2024-02-06T21:45:09.607" v="342" actId="20577"/>
+        <pc:sldMkLst>
+          <pc:docMk/>
+          <pc:sldMk cId="895022810" sldId="495"/>
+        </pc:sldMkLst>
+        <pc:spChg chg="mod">
+          <ac:chgData name="Kirstyn Brunker" userId="df4fa982-8545-444a-9816-77d8e30bb5e2" providerId="ADAL" clId="{579DBE22-8DA8-9A48-91B7-6C5107916BD1}" dt="2024-02-06T21:37:27.126" v="46" actId="20577"/>
+          <ac:spMkLst>
+            <pc:docMk/>
+            <pc:sldMk cId="895022810" sldId="495"/>
+            <ac:spMk id="6" creationId="{6ECB542F-78FC-EC15-60A0-F358ECC59970}"/>
+          </ac:spMkLst>
+        </pc:spChg>
+        <pc:spChg chg="mod">
+          <ac:chgData name="Kirstyn Brunker" userId="df4fa982-8545-444a-9816-77d8e30bb5e2" providerId="ADAL" clId="{579DBE22-8DA8-9A48-91B7-6C5107916BD1}" dt="2024-02-06T21:45:09.607" v="342" actId="20577"/>
+          <ac:spMkLst>
+            <pc:docMk/>
+            <pc:sldMk cId="895022810" sldId="495"/>
+            <ac:spMk id="8" creationId="{8A998480-E292-2020-A09A-4722335DE486}"/>
+          </ac:spMkLst>
+        </pc:spChg>
+        <pc:picChg chg="del">
+          <ac:chgData name="Kirstyn Brunker" userId="df4fa982-8545-444a-9816-77d8e30bb5e2" providerId="ADAL" clId="{579DBE22-8DA8-9A48-91B7-6C5107916BD1}" dt="2024-02-06T21:42:29.799" v="302" actId="478"/>
+          <ac:picMkLst>
+            <pc:docMk/>
+            <pc:sldMk cId="895022810" sldId="495"/>
+            <ac:picMk id="10" creationId="{7B87A285-1D45-9A47-B93C-97AE49C38BEF}"/>
+          </ac:picMkLst>
+        </pc:picChg>
+      </pc:sldChg>
+    </pc:docChg>
+  </pc:docChgLst>
+</pc:chgInfo>
 </file>
 
 <file path=ppt/diagrams/colors1.xml><?xml version="1.0" encoding="utf-8"?>
@@ -18117,7 +18177,7 @@
           <a:p>
             <a:fld id="{41295AE2-43AC-144B-AE88-DCB376799F11}" type="datetimeFigureOut">
               <a:rPr lang="en-US" smtClean="0"/>
-              <a:t>6/29/23</a:t>
+              <a:t>2/6/24</a:t>
             </a:fld>
             <a:endParaRPr lang="en-US"/>
           </a:p>
@@ -18516,6 +18576,90 @@
           <a:bodyPr/>
           <a:lstStyle/>
           <a:p>
+            <a:endParaRPr lang="en-US"/>
+          </a:p>
+        </p:txBody>
+      </p:sp>
+      <p:sp>
+        <p:nvSpPr>
+          <p:cNvPr id="4" name="Slide Number Placeholder 3"/>
+          <p:cNvSpPr>
+            <a:spLocks noGrp="1"/>
+          </p:cNvSpPr>
+          <p:nvPr>
+            <p:ph type="sldNum" sz="quarter" idx="5"/>
+          </p:nvPr>
+        </p:nvSpPr>
+        <p:spPr/>
+        <p:txBody>
+          <a:bodyPr/>
+          <a:lstStyle/>
+          <a:p>
+            <a:fld id="{0F24E5BB-E6B0-B84A-ABCD-9A3E9C2D78CB}" type="slidenum">
+              <a:rPr lang="en-US" smtClean="0"/>
+              <a:t>18</a:t>
+            </a:fld>
+            <a:endParaRPr lang="en-US"/>
+          </a:p>
+        </p:txBody>
+      </p:sp>
+    </p:spTree>
+    <p:extLst>
+      <p:ext uri="{BB962C8B-B14F-4D97-AF65-F5344CB8AC3E}">
+        <p14:creationId xmlns:p14="http://schemas.microsoft.com/office/powerpoint/2010/main" val="3355757090"/>
+      </p:ext>
+    </p:extLst>
+  </p:cSld>
+  <p:clrMapOvr>
+    <a:masterClrMapping/>
+  </p:clrMapOvr>
+</p:notes>
+</file>
+
+<file path=ppt/notesSlides/notesSlide11.xml><?xml version="1.0" encoding="utf-8"?>
+<p:notes xmlns:a="http://schemas.openxmlformats.org/drawingml/2006/main" xmlns:r="http://schemas.openxmlformats.org/officeDocument/2006/relationships" xmlns:p="http://schemas.openxmlformats.org/presentationml/2006/main">
+  <p:cSld>
+    <p:spTree>
+      <p:nvGrpSpPr>
+        <p:cNvPr id="1" name=""/>
+        <p:cNvGrpSpPr/>
+        <p:nvPr/>
+      </p:nvGrpSpPr>
+      <p:grpSpPr>
+        <a:xfrm>
+          <a:off x="0" y="0"/>
+          <a:ext cx="0" cy="0"/>
+          <a:chOff x="0" y="0"/>
+          <a:chExt cx="0" cy="0"/>
+        </a:xfrm>
+      </p:grpSpPr>
+      <p:sp>
+        <p:nvSpPr>
+          <p:cNvPr id="2" name="Slide Image Placeholder 1"/>
+          <p:cNvSpPr>
+            <a:spLocks noGrp="1" noRot="1" noChangeAspect="1"/>
+          </p:cNvSpPr>
+          <p:nvPr>
+            <p:ph type="sldImg"/>
+          </p:nvPr>
+        </p:nvSpPr>
+        <p:spPr/>
+      </p:sp>
+      <p:sp>
+        <p:nvSpPr>
+          <p:cNvPr id="3" name="Notes Placeholder 2"/>
+          <p:cNvSpPr>
+            <a:spLocks noGrp="1"/>
+          </p:cNvSpPr>
+          <p:nvPr>
+            <p:ph type="body" idx="1"/>
+          </p:nvPr>
+        </p:nvSpPr>
+        <p:spPr/>
+        <p:txBody>
+          <a:bodyPr/>
+          <a:lstStyle/>
+          <a:p>
             <a:endParaRPr lang="en-US" dirty="0"/>
           </a:p>
         </p:txBody>
@@ -18556,7 +18700,7 @@
 </p:notes>
 </file>
 
-<file path=ppt/notesSlides/notesSlide11.xml><?xml version="1.0" encoding="utf-8"?>
+<file path=ppt/notesSlides/notesSlide12.xml><?xml version="1.0" encoding="utf-8"?>
 <p:notes xmlns:a="http://schemas.openxmlformats.org/drawingml/2006/main" xmlns:r="http://schemas.openxmlformats.org/officeDocument/2006/relationships" xmlns:p="http://schemas.openxmlformats.org/presentationml/2006/main">
   <p:cSld>
     <p:spTree>
@@ -18640,7 +18784,7 @@
 </p:notes>
 </file>
 
-<file path=ppt/notesSlides/notesSlide12.xml><?xml version="1.0" encoding="utf-8"?>
+<file path=ppt/notesSlides/notesSlide13.xml><?xml version="1.0" encoding="utf-8"?>
 <p:notes xmlns:a="http://schemas.openxmlformats.org/drawingml/2006/main" xmlns:r="http://schemas.openxmlformats.org/officeDocument/2006/relationships" xmlns:p="http://schemas.openxmlformats.org/presentationml/2006/main">
   <p:cSld>
     <p:spTree>
@@ -19403,6 +19547,90 @@
           <a:p>
             <a:fld id="{0F24E5BB-E6B0-B84A-ABCD-9A3E9C2D78CB}" type="slidenum">
               <a:rPr lang="en-US" smtClean="0"/>
+              <a:t>12</a:t>
+            </a:fld>
+            <a:endParaRPr lang="en-US"/>
+          </a:p>
+        </p:txBody>
+      </p:sp>
+    </p:spTree>
+    <p:extLst>
+      <p:ext uri="{BB962C8B-B14F-4D97-AF65-F5344CB8AC3E}">
+        <p14:creationId xmlns:p14="http://schemas.microsoft.com/office/powerpoint/2010/main" val="425387576"/>
+      </p:ext>
+    </p:extLst>
+  </p:cSld>
+  <p:clrMapOvr>
+    <a:masterClrMapping/>
+  </p:clrMapOvr>
+</p:notes>
+</file>
+
+<file path=ppt/notesSlides/notesSlide8.xml><?xml version="1.0" encoding="utf-8"?>
+<p:notes xmlns:a="http://schemas.openxmlformats.org/drawingml/2006/main" xmlns:r="http://schemas.openxmlformats.org/officeDocument/2006/relationships" xmlns:p="http://schemas.openxmlformats.org/presentationml/2006/main">
+  <p:cSld>
+    <p:spTree>
+      <p:nvGrpSpPr>
+        <p:cNvPr id="1" name=""/>
+        <p:cNvGrpSpPr/>
+        <p:nvPr/>
+      </p:nvGrpSpPr>
+      <p:grpSpPr>
+        <a:xfrm>
+          <a:off x="0" y="0"/>
+          <a:ext cx="0" cy="0"/>
+          <a:chOff x="0" y="0"/>
+          <a:chExt cx="0" cy="0"/>
+        </a:xfrm>
+      </p:grpSpPr>
+      <p:sp>
+        <p:nvSpPr>
+          <p:cNvPr id="2" name="Slide Image Placeholder 1"/>
+          <p:cNvSpPr>
+            <a:spLocks noGrp="1" noRot="1" noChangeAspect="1"/>
+          </p:cNvSpPr>
+          <p:nvPr>
+            <p:ph type="sldImg"/>
+          </p:nvPr>
+        </p:nvSpPr>
+        <p:spPr/>
+      </p:sp>
+      <p:sp>
+        <p:nvSpPr>
+          <p:cNvPr id="3" name="Notes Placeholder 2"/>
+          <p:cNvSpPr>
+            <a:spLocks noGrp="1"/>
+          </p:cNvSpPr>
+          <p:nvPr>
+            <p:ph type="body" idx="1"/>
+          </p:nvPr>
+        </p:nvSpPr>
+        <p:spPr/>
+        <p:txBody>
+          <a:bodyPr/>
+          <a:lstStyle/>
+          <a:p>
+            <a:endParaRPr lang="en-US" dirty="0"/>
+          </a:p>
+        </p:txBody>
+      </p:sp>
+      <p:sp>
+        <p:nvSpPr>
+          <p:cNvPr id="4" name="Slide Number Placeholder 3"/>
+          <p:cNvSpPr>
+            <a:spLocks noGrp="1"/>
+          </p:cNvSpPr>
+          <p:nvPr>
+            <p:ph type="sldNum" sz="quarter" idx="5"/>
+          </p:nvPr>
+        </p:nvSpPr>
+        <p:spPr/>
+        <p:txBody>
+          <a:bodyPr/>
+          <a:lstStyle/>
+          <a:p>
+            <a:fld id="{0F24E5BB-E6B0-B84A-ABCD-9A3E9C2D78CB}" type="slidenum">
+              <a:rPr lang="en-US" smtClean="0"/>
               <a:t>15</a:t>
             </a:fld>
             <a:endParaRPr lang="en-US"/>
@@ -19422,7 +19650,7 @@
 </p:notes>
 </file>
 
-<file path=ppt/notesSlides/notesSlide8.xml><?xml version="1.0" encoding="utf-8"?>
+<file path=ppt/notesSlides/notesSlide9.xml><?xml version="1.0" encoding="utf-8"?>
 <p:notes xmlns:a="http://schemas.openxmlformats.org/drawingml/2006/main" xmlns:r="http://schemas.openxmlformats.org/officeDocument/2006/relationships" xmlns:p="http://schemas.openxmlformats.org/presentationml/2006/main">
   <p:cSld>
     <p:spTree>
@@ -19497,90 +19725,6 @@
     <p:extLst>
       <p:ext uri="{BB962C8B-B14F-4D97-AF65-F5344CB8AC3E}">
         <p14:creationId xmlns:p14="http://schemas.microsoft.com/office/powerpoint/2010/main" val="2356533093"/>
-      </p:ext>
-    </p:extLst>
-  </p:cSld>
-  <p:clrMapOvr>
-    <a:masterClrMapping/>
-  </p:clrMapOvr>
-</p:notes>
-</file>
-
-<file path=ppt/notesSlides/notesSlide9.xml><?xml version="1.0" encoding="utf-8"?>
-<p:notes xmlns:a="http://schemas.openxmlformats.org/drawingml/2006/main" xmlns:r="http://schemas.openxmlformats.org/officeDocument/2006/relationships" xmlns:p="http://schemas.openxmlformats.org/presentationml/2006/main">
-  <p:cSld>
-    <p:spTree>
-      <p:nvGrpSpPr>
-        <p:cNvPr id="1" name=""/>
-        <p:cNvGrpSpPr/>
-        <p:nvPr/>
-      </p:nvGrpSpPr>
-      <p:grpSpPr>
-        <a:xfrm>
-          <a:off x="0" y="0"/>
-          <a:ext cx="0" cy="0"/>
-          <a:chOff x="0" y="0"/>
-          <a:chExt cx="0" cy="0"/>
-        </a:xfrm>
-      </p:grpSpPr>
-      <p:sp>
-        <p:nvSpPr>
-          <p:cNvPr id="2" name="Slide Image Placeholder 1"/>
-          <p:cNvSpPr>
-            <a:spLocks noGrp="1" noRot="1" noChangeAspect="1"/>
-          </p:cNvSpPr>
-          <p:nvPr>
-            <p:ph type="sldImg"/>
-          </p:nvPr>
-        </p:nvSpPr>
-        <p:spPr/>
-      </p:sp>
-      <p:sp>
-        <p:nvSpPr>
-          <p:cNvPr id="3" name="Notes Placeholder 2"/>
-          <p:cNvSpPr>
-            <a:spLocks noGrp="1"/>
-          </p:cNvSpPr>
-          <p:nvPr>
-            <p:ph type="body" idx="1"/>
-          </p:nvPr>
-        </p:nvSpPr>
-        <p:spPr/>
-        <p:txBody>
-          <a:bodyPr/>
-          <a:lstStyle/>
-          <a:p>
-            <a:endParaRPr lang="en-US"/>
-          </a:p>
-        </p:txBody>
-      </p:sp>
-      <p:sp>
-        <p:nvSpPr>
-          <p:cNvPr id="4" name="Slide Number Placeholder 3"/>
-          <p:cNvSpPr>
-            <a:spLocks noGrp="1"/>
-          </p:cNvSpPr>
-          <p:nvPr>
-            <p:ph type="sldNum" sz="quarter" idx="5"/>
-          </p:nvPr>
-        </p:nvSpPr>
-        <p:spPr/>
-        <p:txBody>
-          <a:bodyPr/>
-          <a:lstStyle/>
-          <a:p>
-            <a:fld id="{0F24E5BB-E6B0-B84A-ABCD-9A3E9C2D78CB}" type="slidenum">
-              <a:rPr lang="en-US" smtClean="0"/>
-              <a:t>18</a:t>
-            </a:fld>
-            <a:endParaRPr lang="en-US"/>
-          </a:p>
-        </p:txBody>
-      </p:sp>
-    </p:spTree>
-    <p:extLst>
-      <p:ext uri="{BB962C8B-B14F-4D97-AF65-F5344CB8AC3E}">
-        <p14:creationId xmlns:p14="http://schemas.microsoft.com/office/powerpoint/2010/main" val="3355757090"/>
       </p:ext>
     </p:extLst>
   </p:cSld>
@@ -19900,7 +20044,7 @@
           <a:p>
             <a:fld id="{C7A20D25-CA74-4CF3-B611-F6CF83D8C6A1}" type="datetimeFigureOut">
               <a:rPr lang="en-GB" smtClean="0"/>
-              <a:t>29/06/2023</a:t>
+              <a:t>06/02/2024</a:t>
             </a:fld>
             <a:endParaRPr lang="en-GB"/>
           </a:p>
@@ -21409,7 +21553,7 @@
           <a:p>
             <a:fld id="{AF624FB1-CB24-4B4C-BFD4-AD276D9A4059}" type="datetimeFigureOut">
               <a:rPr lang="en-GB" smtClean="0"/>
-              <a:t>29/06/2023</a:t>
+              <a:t>06/02/2024</a:t>
             </a:fld>
             <a:endParaRPr lang="en-GB"/>
           </a:p>
@@ -21892,21 +22036,21 @@
           <a:p>
             <a:r>
               <a:rPr lang="en-US" sz="1800" i="1" dirty="0"/>
-              <a:t>RAGE workshop, SCENE, University of Glasgow</a:t>
+              <a:t>RAGE workshop, NCDC, Abuja</a:t>
             </a:r>
           </a:p>
           <a:p>
             <a:r>
               <a:rPr lang="en-US" sz="1800" i="1" dirty="0"/>
-              <a:t>26-30</a:t>
+              <a:t>12-16</a:t>
             </a:r>
             <a:r>
               <a:rPr lang="en-US" sz="1800" i="1" baseline="30000" dirty="0"/>
-              <a:t>th</a:t>
+              <a:t>h</a:t>
             </a:r>
             <a:r>
               <a:rPr lang="en-US" sz="1800" i="1" dirty="0"/>
-              <a:t> June 2023</a:t>
+              <a:t> Feb 2024</a:t>
             </a:r>
           </a:p>
           <a:p>
@@ -22373,100 +22517,47 @@
           <a:lstStyle/>
           <a:p>
             <a:r>
-              <a:rPr lang="en-US" dirty="0"/>
-              <a:t>Bioinformatics platform to support academic research groups</a:t>
+              <a:rPr lang="en-GB" dirty="0"/>
+              <a:t>A software image containing a complete Linux operating system</a:t>
             </a:r>
           </a:p>
           <a:p>
             <a:r>
-              <a:rPr lang="en-US" dirty="0"/>
-              <a:t>Using for the workshop tutorials</a:t>
+              <a:rPr lang="en-GB" dirty="0"/>
+              <a:t>Is run directly from a bootable drive</a:t>
             </a:r>
           </a:p>
           <a:p>
-            <a:endParaRPr lang="en-US" dirty="0"/>
+            <a:endParaRPr lang="en-GB" dirty="0"/>
           </a:p>
           <a:p>
             <a:pPr marL="0" indent="0">
               <a:buNone/>
             </a:pPr>
             <a:r>
-              <a:rPr lang="en-US" dirty="0"/>
-              <a:t>Notebook server</a:t>
+              <a:rPr lang="en-GB" i="1" dirty="0"/>
+              <a:t>SSD</a:t>
+            </a:r>
+            <a:r>
+              <a:rPr lang="en-GB" dirty="0"/>
+              <a:t>= solid state drive</a:t>
             </a:r>
           </a:p>
           <a:p>
+            <a:pPr marL="0" indent="0">
+              <a:buNone/>
+            </a:pPr>
             <a:r>
-              <a:rPr lang="en-US" dirty="0"/>
-              <a:t>Alternative to a virtual machine</a:t>
-            </a:r>
-          </a:p>
-          <a:p>
-            <a:r>
-              <a:rPr lang="en-US" dirty="0"/>
-              <a:t>Preconfigured with </a:t>
-            </a:r>
-            <a:r>
-              <a:rPr lang="en-US" dirty="0" err="1"/>
-              <a:t>bioinfo</a:t>
+              <a:rPr lang="en-US" i="1" dirty="0"/>
+              <a:t>Ubuntu</a:t>
             </a:r>
             <a:r>
               <a:rPr lang="en-US" dirty="0"/>
-              <a:t> software</a:t>
+              <a:t>= a Linux-based operating system</a:t>
             </a:r>
-          </a:p>
-          <a:p>
-            <a:r>
-              <a:rPr lang="en-GB" dirty="0"/>
-              <a:t>T</a:t>
-            </a:r>
-            <a:r>
-              <a:rPr lang="en-GB" b="0" i="0" dirty="0">
-                <a:effectLst/>
-              </a:rPr>
-              <a:t>erminal access and a filesystem</a:t>
-            </a:r>
-            <a:endParaRPr lang="en-US" dirty="0"/>
           </a:p>
         </p:txBody>
       </p:sp>
-      <p:pic>
-        <p:nvPicPr>
-          <p:cNvPr id="10" name="Picture 9" descr="A screenshot of a computer&#10;&#10;Description automatically generated">
-            <a:extLst>
-              <a:ext uri="{FF2B5EF4-FFF2-40B4-BE49-F238E27FC236}">
-                <a16:creationId xmlns:a16="http://schemas.microsoft.com/office/drawing/2014/main" id="{7B87A285-1D45-9A47-B93C-97AE49C38BEF}"/>
-              </a:ext>
-            </a:extLst>
-          </p:cNvPr>
-          <p:cNvPicPr>
-            <a:picLocks noChangeAspect="1"/>
-          </p:cNvPicPr>
-          <p:nvPr/>
-        </p:nvPicPr>
-        <p:blipFill>
-          <a:blip r:embed="rId2">
-            <a:extLst>
-              <a:ext uri="{28A0092B-C50C-407E-A947-70E740481C1C}">
-                <a14:useLocalDpi xmlns:a14="http://schemas.microsoft.com/office/drawing/2010/main" val="0"/>
-              </a:ext>
-            </a:extLst>
-          </a:blip>
-          <a:stretch>
-            <a:fillRect/>
-          </a:stretch>
-        </p:blipFill>
-        <p:spPr>
-          <a:xfrm>
-            <a:off x="6172202" y="1887474"/>
-            <a:ext cx="5181600" cy="3083052"/>
-          </a:xfrm>
-          <a:prstGeom prst="rect">
-            <a:avLst/>
-          </a:prstGeom>
-          <a:noFill/>
-        </p:spPr>
-      </p:pic>
       <p:sp>
         <p:nvSpPr>
           <p:cNvPr id="6" name="Title 5">
@@ -22496,23 +22587,13 @@
           <a:lstStyle/>
           <a:p>
             <a:r>
-              <a:rPr lang="en-US" dirty="0"/>
-              <a:t>CLIMB- </a:t>
-            </a:r>
-            <a:r>
-              <a:rPr lang="en-GB" b="0" i="0" err="1">
+              <a:rPr lang="en-GB" i="0" dirty="0">
                 <a:effectLst/>
               </a:rPr>
-              <a:t>Jupyter</a:t>
-            </a:r>
-            <a:r>
-              <a:rPr lang="en-GB" b="0" i="0">
-                <a:effectLst/>
-              </a:rPr>
-              <a:t> Notebook Server</a:t>
+              <a:t>RAGE-on-SSD</a:t>
             </a:r>
             <a:br>
-              <a:rPr lang="en-GB" b="0" i="0">
+              <a:rPr lang="en-GB" b="0" i="0" dirty="0">
                 <a:effectLst/>
               </a:rPr>
             </a:br>
@@ -23523,14 +23604,14 @@
           </a:ln>
           <a:extLst>
             <a:ext uri="{909E8E84-426E-40dd-AFC4-6F175D3DCCD1}">
-              <a14:hiddenFill xmlns="" xmlns:a14="http://schemas.microsoft.com/office/drawing/2010/main">
+              <a14:hiddenFill xmlns:a14="http://schemas.microsoft.com/office/drawing/2010/main" xmlns="">
                 <a:solidFill>
                   <a:srgbClr val="FFFFFF"/>
                 </a:solidFill>
               </a14:hiddenFill>
             </a:ext>
             <a:ext uri="{91240B29-F687-4f45-9708-019B960494DF}">
-              <a14:hiddenLine xmlns="" xmlns:a14="http://schemas.microsoft.com/office/drawing/2010/main" w="9525">
+              <a14:hiddenLine xmlns:a14="http://schemas.microsoft.com/office/drawing/2010/main" xmlns="" w="9525">
                 <a:solidFill>
                   <a:srgbClr val="000000"/>
                 </a:solidFill>
@@ -23693,14 +23774,14 @@
           </a:ln>
           <a:extLst>
             <a:ext uri="{909E8E84-426E-40dd-AFC4-6F175D3DCCD1}">
-              <a14:hiddenFill xmlns="" xmlns:a14="http://schemas.microsoft.com/office/drawing/2010/main">
+              <a14:hiddenFill xmlns:a14="http://schemas.microsoft.com/office/drawing/2010/main" xmlns="">
                 <a:solidFill>
                   <a:srgbClr val="FFFFFF"/>
                 </a:solidFill>
               </a14:hiddenFill>
             </a:ext>
             <a:ext uri="{91240B29-F687-4f45-9708-019B960494DF}">
-              <a14:hiddenLine xmlns="" xmlns:a14="http://schemas.microsoft.com/office/drawing/2010/main" w="9525">
+              <a14:hiddenLine xmlns:a14="http://schemas.microsoft.com/office/drawing/2010/main" xmlns="" w="9525">
                 <a:solidFill>
                   <a:srgbClr val="000000"/>
                 </a:solidFill>
@@ -23903,14 +23984,14 @@
           </a:ln>
           <a:extLst>
             <a:ext uri="{909E8E84-426E-40dd-AFC4-6F175D3DCCD1}">
-              <a14:hiddenFill xmlns="" xmlns:a14="http://schemas.microsoft.com/office/drawing/2010/main">
+              <a14:hiddenFill xmlns:a14="http://schemas.microsoft.com/office/drawing/2010/main" xmlns="">
                 <a:solidFill>
                   <a:srgbClr val="FFFFFF"/>
                 </a:solidFill>
               </a14:hiddenFill>
             </a:ext>
             <a:ext uri="{91240B29-F687-4f45-9708-019B960494DF}">
-              <a14:hiddenLine xmlns="" xmlns:a14="http://schemas.microsoft.com/office/drawing/2010/main" w="9525">
+              <a14:hiddenLine xmlns:a14="http://schemas.microsoft.com/office/drawing/2010/main" xmlns="" w="9525">
                 <a:solidFill>
                   <a:srgbClr val="000000"/>
                 </a:solidFill>
@@ -24073,14 +24154,14 @@
           </a:ln>
           <a:extLst>
             <a:ext uri="{909E8E84-426E-40dd-AFC4-6F175D3DCCD1}">
-              <a14:hiddenFill xmlns="" xmlns:a14="http://schemas.microsoft.com/office/drawing/2010/main">
+              <a14:hiddenFill xmlns:a14="http://schemas.microsoft.com/office/drawing/2010/main" xmlns="">
                 <a:solidFill>
                   <a:srgbClr val="FFFFFF"/>
                 </a:solidFill>
               </a14:hiddenFill>
             </a:ext>
             <a:ext uri="{91240B29-F687-4f45-9708-019B960494DF}">
-              <a14:hiddenLine xmlns="" xmlns:a14="http://schemas.microsoft.com/office/drawing/2010/main" w="9525">
+              <a14:hiddenLine xmlns:a14="http://schemas.microsoft.com/office/drawing/2010/main" xmlns="" w="9525">
                 <a:solidFill>
                   <a:srgbClr val="000000"/>
                 </a:solidFill>
